--- a/presentations/06-NetworkingAndErrorHandling.pptx
+++ b/presentations/06-NetworkingAndErrorHandling.pptx
@@ -561,7 +561,7 @@
         <p:spPr>
           <a:xfrm>
             <a:off x="1524000" y="3602037"/>
-            <a:ext cx="9144000" cy="1655767"/>
+            <a:ext cx="9144000" cy="1655768"/>
           </a:xfrm>
           <a:prstGeom prst="rect">
             <a:avLst/>
@@ -1092,7 +1092,7 @@
         <p:spPr>
           <a:xfrm>
             <a:off x="831850" y="4589462"/>
-            <a:ext cx="10515600" cy="1500192"/>
+            <a:ext cx="10515600" cy="1500193"/>
           </a:xfrm>
           <a:prstGeom prst="rect">
             <a:avLst/>
@@ -1395,7 +1395,7 @@
         <p:spPr>
           <a:xfrm>
             <a:off x="839787" y="1681163"/>
-            <a:ext cx="5157790" cy="823917"/>
+            <a:ext cx="5157790" cy="823918"/>
           </a:xfrm>
           <a:prstGeom prst="rect">
             <a:avLst/>
@@ -2140,8 +2140,8 @@
         </p:nvSpPr>
         <p:spPr>
           <a:xfrm>
-            <a:off x="11089824" y="6404294"/>
-            <a:ext cx="263979" cy="269237"/>
+            <a:off x="11089825" y="6404294"/>
+            <a:ext cx="263978" cy="269237"/>
           </a:xfrm>
           <a:prstGeom prst="rect">
             <a:avLst/>
@@ -3016,9 +3016,8 @@
         </p:spPr>
         <p:txBody>
           <a:bodyPr/>
-          <a:lstStyle/>
-          <a:p>
-            <a:pPr algn="l">
+          <a:lstStyle>
+            <a:lvl1pPr algn="l">
               <a:defRPr sz="3600">
                 <a:solidFill>
                   <a:srgbClr val="3B3838"/>
@@ -3028,25 +3027,12 @@
                 <a:cs typeface="Open Sans"/>
                 <a:sym typeface="Open Sans"/>
               </a:defRPr>
-            </a:pPr>
-            <a:r>
-              <a:t>Dev-Pro Node.js</a:t>
-            </a:r>
-          </a:p>
-          <a:p>
-            <a:pPr algn="l">
-              <a:defRPr sz="3600">
-                <a:solidFill>
-                  <a:srgbClr val="3B3838"/>
-                </a:solidFill>
-                <a:latin typeface="Open Sans"/>
-                <a:ea typeface="Open Sans"/>
-                <a:cs typeface="Open Sans"/>
-                <a:sym typeface="Open Sans"/>
-              </a:defRPr>
-            </a:pPr>
-            <a:r>
-              <a:t>Advanced Flow</a:t>
+            </a:lvl1pPr>
+          </a:lstStyle>
+          <a:p>
+            <a:pPr/>
+            <a:r>
+              <a:t>Node.js</a:t>
             </a:r>
           </a:p>
         </p:txBody>
@@ -3062,7 +3048,7 @@
         <p:spPr>
           <a:xfrm>
             <a:off x="684212" y="4681847"/>
-            <a:ext cx="4516438" cy="1190868"/>
+            <a:ext cx="4516438" cy="1190869"/>
           </a:xfrm>
           <a:prstGeom prst="rect">
             <a:avLst/>
@@ -3103,7 +3089,7 @@
         <p:spPr>
           <a:xfrm>
             <a:off x="811184" y="4025245"/>
-            <a:ext cx="1451251" cy="5"/>
+            <a:ext cx="1451251" cy="6"/>
           </a:xfrm>
           <a:prstGeom prst="line">
             <a:avLst/>
@@ -3267,7 +3253,7 @@
         <p:spPr>
           <a:xfrm>
             <a:off x="3247625" y="1752600"/>
-            <a:ext cx="5696748" cy="3772428"/>
+            <a:ext cx="5696749" cy="3772428"/>
           </a:xfrm>
           <a:prstGeom prst="rect">
             <a:avLst/>
@@ -3392,7 +3378,7 @@
         <p:spPr>
           <a:xfrm>
             <a:off x="3288670" y="1371600"/>
-            <a:ext cx="6401087" cy="5086357"/>
+            <a:ext cx="6401088" cy="5086357"/>
           </a:xfrm>
           <a:prstGeom prst="rect">
             <a:avLst/>
@@ -3517,7 +3503,7 @@
         <p:spPr>
           <a:xfrm>
             <a:off x="2576021" y="2319182"/>
-            <a:ext cx="7039958" cy="2219637"/>
+            <a:ext cx="7039958" cy="2219638"/>
           </a:xfrm>
           <a:prstGeom prst="rect">
             <a:avLst/>
@@ -4142,7 +4128,7 @@
         <p:spPr>
           <a:xfrm>
             <a:off x="2129306" y="1250369"/>
-            <a:ext cx="7933388" cy="5317059"/>
+            <a:ext cx="7933388" cy="5317060"/>
           </a:xfrm>
           <a:prstGeom prst="rect">
             <a:avLst/>
@@ -4391,8 +4377,8 @@
         </p:blipFill>
         <p:spPr>
           <a:xfrm>
-            <a:off x="2010191" y="1821253"/>
-            <a:ext cx="8171620" cy="3502125"/>
+            <a:off x="2010191" y="1821252"/>
+            <a:ext cx="8171620" cy="3502126"/>
           </a:xfrm>
           <a:prstGeom prst="rect">
             <a:avLst/>
@@ -4436,7 +4422,7 @@
         </p:nvSpPr>
         <p:spPr>
           <a:xfrm>
-            <a:off x="953675" y="1276224"/>
+            <a:off x="953675" y="1276223"/>
             <a:ext cx="9849637" cy="3110193"/>
           </a:xfrm>
           <a:prstGeom prst="rect">
@@ -4687,7 +4673,7 @@
         <p:spPr>
           <a:xfrm>
             <a:off x="753074" y="2013285"/>
-            <a:ext cx="11249484" cy="1965881"/>
+            <a:ext cx="11249484" cy="1965882"/>
           </a:xfrm>
           <a:prstGeom prst="rect">
             <a:avLst/>
@@ -4739,7 +4725,7 @@
         <p:spPr>
           <a:xfrm>
             <a:off x="888509" y="4310986"/>
-            <a:ext cx="1548004" cy="3"/>
+            <a:ext cx="1548005" cy="4"/>
           </a:xfrm>
           <a:prstGeom prst="line">
             <a:avLst/>
@@ -4864,7 +4850,7 @@
         <p:spPr>
           <a:xfrm>
             <a:off x="146225" y="2265851"/>
-            <a:ext cx="11899549" cy="1665830"/>
+            <a:ext cx="11899549" cy="1665829"/>
           </a:xfrm>
           <a:prstGeom prst="rect">
             <a:avLst/>
@@ -5129,7 +5115,7 @@
         <p:spPr>
           <a:xfrm>
             <a:off x="4744720" y="3484457"/>
-            <a:ext cx="3454402" cy="3022603"/>
+            <a:ext cx="3454403" cy="3022603"/>
           </a:xfrm>
           <a:prstGeom prst="rect">
             <a:avLst/>
@@ -5379,7 +5365,7 @@
         <p:spPr>
           <a:xfrm>
             <a:off x="2329002" y="1352210"/>
-            <a:ext cx="7611198" cy="4961372"/>
+            <a:ext cx="7611199" cy="4961372"/>
           </a:xfrm>
           <a:prstGeom prst="rect">
             <a:avLst/>
@@ -5503,8 +5489,8 @@
         </p:blipFill>
         <p:spPr>
           <a:xfrm>
-            <a:off x="2445699" y="1828800"/>
-            <a:ext cx="7231701" cy="3774043"/>
+            <a:off x="2445698" y="1828800"/>
+            <a:ext cx="7231703" cy="3774043"/>
           </a:xfrm>
           <a:prstGeom prst="rect">
             <a:avLst/>
@@ -5629,7 +5615,7 @@
         <p:spPr>
           <a:xfrm>
             <a:off x="3114257" y="1900022"/>
-            <a:ext cx="5963485" cy="3057955"/>
+            <a:ext cx="5963485" cy="3057956"/>
           </a:xfrm>
           <a:prstGeom prst="rect">
             <a:avLst/>
@@ -5743,8 +5729,8 @@
         </p:nvSpPr>
         <p:spPr>
           <a:xfrm>
-            <a:off x="228599" y="2133600"/>
-            <a:ext cx="11899549" cy="1142993"/>
+            <a:off x="228599" y="2133599"/>
+            <a:ext cx="11899549" cy="1142994"/>
           </a:xfrm>
           <a:prstGeom prst="rect">
             <a:avLst/>
@@ -5932,8 +5918,8 @@
         </p:nvSpPr>
         <p:spPr>
           <a:xfrm>
-            <a:off x="228599" y="2133600"/>
-            <a:ext cx="11899549" cy="1142993"/>
+            <a:off x="228599" y="2133599"/>
+            <a:ext cx="11899549" cy="1142994"/>
           </a:xfrm>
           <a:prstGeom prst="rect">
             <a:avLst/>
@@ -6222,7 +6208,7 @@
         <p:spPr>
           <a:xfrm>
             <a:off x="4618863" y="3290980"/>
-            <a:ext cx="3454402" cy="3022603"/>
+            <a:ext cx="3454402" cy="3022604"/>
           </a:xfrm>
           <a:prstGeom prst="rect">
             <a:avLst/>
@@ -6346,8 +6332,8 @@
         </p:blipFill>
         <p:spPr>
           <a:xfrm>
-            <a:off x="2423597" y="1728548"/>
-            <a:ext cx="7344804" cy="3400904"/>
+            <a:off x="2423597" y="1728547"/>
+            <a:ext cx="7344804" cy="3400906"/>
           </a:xfrm>
           <a:prstGeom prst="rect">
             <a:avLst/>
@@ -6776,7 +6762,7 @@
         <p:spPr>
           <a:xfrm>
             <a:off x="304800" y="1217927"/>
-            <a:ext cx="11487150" cy="1881216"/>
+            <a:ext cx="11487150" cy="1881217"/>
           </a:xfrm>
           <a:prstGeom prst="rect">
             <a:avLst/>
@@ -6795,7 +6781,7 @@
         <p:spPr>
           <a:xfrm>
             <a:off x="178666" y="3057531"/>
-            <a:ext cx="11899552" cy="418593"/>
+            <a:ext cx="11899552" cy="418592"/>
           </a:xfrm>
           <a:prstGeom prst="rect">
             <a:avLst/>
@@ -6947,7 +6933,7 @@
         </p:nvSpPr>
         <p:spPr>
           <a:xfrm>
-            <a:off x="146225" y="1447799"/>
+            <a:off x="146225" y="1447798"/>
             <a:ext cx="11899549" cy="1849114"/>
           </a:xfrm>
           <a:prstGeom prst="rect">
@@ -7163,7 +7149,7 @@
         </p:nvSpPr>
         <p:spPr>
           <a:xfrm>
-            <a:off x="146225" y="1491015"/>
+            <a:off x="146225" y="1491014"/>
             <a:ext cx="11899549" cy="3261354"/>
           </a:xfrm>
           <a:prstGeom prst="rect">
@@ -7695,7 +7681,7 @@
         <p:spPr>
           <a:xfrm>
             <a:off x="10240129" y="6026089"/>
-            <a:ext cx="1373569" cy="287495"/>
+            <a:ext cx="1373570" cy="287496"/>
           </a:xfrm>
           <a:prstGeom prst="rect">
             <a:avLst/>
@@ -7840,7 +7826,7 @@
         <p:spPr>
           <a:xfrm>
             <a:off x="811184" y="4025245"/>
-            <a:ext cx="1451251" cy="5"/>
+            <a:ext cx="1451251" cy="6"/>
           </a:xfrm>
           <a:prstGeom prst="line">
             <a:avLst/>
@@ -8100,7 +8086,7 @@
         <p:spPr>
           <a:xfrm>
             <a:off x="2556966" y="1674259"/>
-            <a:ext cx="7078066" cy="4639325"/>
+            <a:ext cx="7078066" cy="4639326"/>
           </a:xfrm>
           <a:prstGeom prst="rect">
             <a:avLst/>
@@ -8224,8 +8210,8 @@
         </p:blipFill>
         <p:spPr>
           <a:xfrm>
-            <a:off x="2905862" y="1371600"/>
-            <a:ext cx="6380276" cy="5302042"/>
+            <a:off x="2905861" y="1371600"/>
+            <a:ext cx="6380278" cy="5302042"/>
           </a:xfrm>
           <a:prstGeom prst="rect">
             <a:avLst/>
@@ -8350,7 +8336,7 @@
         <p:spPr>
           <a:xfrm>
             <a:off x="3384829" y="1447800"/>
-            <a:ext cx="5422339" cy="5195428"/>
+            <a:ext cx="5422340" cy="5195428"/>
           </a:xfrm>
           <a:prstGeom prst="rect">
             <a:avLst/>
@@ -8475,7 +8461,7 @@
         <p:spPr>
           <a:xfrm>
             <a:off x="3261917" y="2676418"/>
-            <a:ext cx="5668167" cy="1505163"/>
+            <a:ext cx="5668167" cy="1505164"/>
           </a:xfrm>
           <a:prstGeom prst="rect">
             <a:avLst/>
